--- a/presentation/Presentation.pptx
+++ b/presentation/Presentation.pptx
@@ -866,7 +866,7 @@
             <a:fld id="{B61BEF0D-F0BB-DE4B-95CE-6DB70DBA9567}" type="datetimeFigureOut">
               <a:rPr lang="en-US" dirty="0"/>
               <a:pPr/>
-              <a:t>9/17/2020</a:t>
+              <a:t>9/21/2020</a:t>
             </a:fld>
             <a:endParaRPr lang="en-US" dirty="0"/>
           </a:p>
@@ -1114,7 +1114,7 @@
             <a:fld id="{B61BEF0D-F0BB-DE4B-95CE-6DB70DBA9567}" type="datetimeFigureOut">
               <a:rPr lang="en-US" dirty="0"/>
               <a:pPr/>
-              <a:t>9/17/2020</a:t>
+              <a:t>9/21/2020</a:t>
             </a:fld>
             <a:endParaRPr lang="en-US" dirty="0"/>
           </a:p>
@@ -1425,7 +1425,7 @@
             <a:fld id="{B61BEF0D-F0BB-DE4B-95CE-6DB70DBA9567}" type="datetimeFigureOut">
               <a:rPr lang="en-US" dirty="0"/>
               <a:pPr/>
-              <a:t>9/17/2020</a:t>
+              <a:t>9/21/2020</a:t>
             </a:fld>
             <a:endParaRPr lang="en-US" dirty="0"/>
           </a:p>
@@ -1755,7 +1755,7 @@
             <a:fld id="{B61BEF0D-F0BB-DE4B-95CE-6DB70DBA9567}" type="datetimeFigureOut">
               <a:rPr lang="en-US" dirty="0"/>
               <a:pPr/>
-              <a:t>9/17/2020</a:t>
+              <a:t>9/21/2020</a:t>
             </a:fld>
             <a:endParaRPr lang="en-US" dirty="0"/>
           </a:p>
@@ -2066,7 +2066,7 @@
             <a:fld id="{B61BEF0D-F0BB-DE4B-95CE-6DB70DBA9567}" type="datetimeFigureOut">
               <a:rPr lang="en-US" dirty="0"/>
               <a:pPr/>
-              <a:t>9/17/2020</a:t>
+              <a:t>9/21/2020</a:t>
             </a:fld>
             <a:endParaRPr lang="en-US" dirty="0"/>
           </a:p>
@@ -2456,7 +2456,7 @@
             <a:fld id="{B61BEF0D-F0BB-DE4B-95CE-6DB70DBA9567}" type="datetimeFigureOut">
               <a:rPr lang="en-US" dirty="0"/>
               <a:pPr/>
-              <a:t>9/17/2020</a:t>
+              <a:t>9/21/2020</a:t>
             </a:fld>
             <a:endParaRPr lang="en-US" dirty="0"/>
           </a:p>
@@ -2622,7 +2622,7 @@
           <a:p>
             <a:fld id="{55C6B4A9-1611-4792-9094-5F34BCA07E0B}" type="datetimeFigureOut">
               <a:rPr lang="en-US" dirty="0"/>
-              <a:t>9/17/2020</a:t>
+              <a:t>9/21/2020</a:t>
             </a:fld>
             <a:endParaRPr lang="en-US" dirty="0"/>
           </a:p>
@@ -2798,7 +2798,7 @@
             <a:fld id="{B61BEF0D-F0BB-DE4B-95CE-6DB70DBA9567}" type="datetimeFigureOut">
               <a:rPr lang="en-US" dirty="0"/>
               <a:pPr/>
-              <a:t>9/17/2020</a:t>
+              <a:t>9/21/2020</a:t>
             </a:fld>
             <a:endParaRPr lang="en-US" dirty="0"/>
           </a:p>
@@ -2964,7 +2964,7 @@
           <a:p>
             <a:fld id="{42A54C80-263E-416B-A8E0-580EDEADCBDC}" type="datetimeFigureOut">
               <a:rPr lang="en-US" dirty="0"/>
-              <a:t>9/17/2020</a:t>
+              <a:t>9/21/2020</a:t>
             </a:fld>
             <a:endParaRPr lang="en-US" dirty="0"/>
           </a:p>
@@ -3207,7 +3207,7 @@
             <a:fld id="{B61BEF0D-F0BB-DE4B-95CE-6DB70DBA9567}" type="datetimeFigureOut">
               <a:rPr lang="en-US" dirty="0"/>
               <a:pPr/>
-              <a:t>9/17/2020</a:t>
+              <a:t>9/21/2020</a:t>
             </a:fld>
             <a:endParaRPr lang="en-US" dirty="0"/>
           </a:p>
@@ -3435,7 +3435,7 @@
           <a:p>
             <a:fld id="{42A54C80-263E-416B-A8E0-580EDEADCBDC}" type="datetimeFigureOut">
               <a:rPr lang="en-US" dirty="0"/>
-              <a:t>9/17/2020</a:t>
+              <a:t>9/21/2020</a:t>
             </a:fld>
             <a:endParaRPr lang="en-US" dirty="0"/>
           </a:p>
@@ -3805,7 +3805,7 @@
             <a:fld id="{B61BEF0D-F0BB-DE4B-95CE-6DB70DBA9567}" type="datetimeFigureOut">
               <a:rPr lang="en-US" dirty="0"/>
               <a:pPr/>
-              <a:t>9/17/2020</a:t>
+              <a:t>9/21/2020</a:t>
             </a:fld>
             <a:endParaRPr lang="en-US" dirty="0"/>
           </a:p>
@@ -3925,7 +3925,7 @@
             <a:fld id="{B61BEF0D-F0BB-DE4B-95CE-6DB70DBA9567}" type="datetimeFigureOut">
               <a:rPr lang="en-US" dirty="0"/>
               <a:pPr/>
-              <a:t>9/17/2020</a:t>
+              <a:t>9/21/2020</a:t>
             </a:fld>
             <a:endParaRPr lang="en-US" dirty="0"/>
           </a:p>
@@ -4017,7 +4017,7 @@
             <a:fld id="{B61BEF0D-F0BB-DE4B-95CE-6DB70DBA9567}" type="datetimeFigureOut">
               <a:rPr lang="en-US" dirty="0"/>
               <a:pPr/>
-              <a:t>9/17/2020</a:t>
+              <a:t>9/21/2020</a:t>
             </a:fld>
             <a:endParaRPr lang="en-US" dirty="0"/>
           </a:p>
@@ -4268,7 +4268,7 @@
           <a:p>
             <a:fld id="{42A54C80-263E-416B-A8E0-580EDEADCBDC}" type="datetimeFigureOut">
               <a:rPr lang="en-US" dirty="0"/>
-              <a:t>9/17/2020</a:t>
+              <a:t>9/21/2020</a:t>
             </a:fld>
             <a:endParaRPr lang="en-US" dirty="0"/>
           </a:p>
@@ -4570,7 +4570,7 @@
             <a:fld id="{B61BEF0D-F0BB-DE4B-95CE-6DB70DBA9567}" type="datetimeFigureOut">
               <a:rPr lang="en-US" dirty="0"/>
               <a:pPr/>
-              <a:t>9/17/2020</a:t>
+              <a:t>9/21/2020</a:t>
             </a:fld>
             <a:endParaRPr lang="en-US" dirty="0"/>
           </a:p>
@@ -5268,7 +5268,7 @@
             <a:fld id="{B61BEF0D-F0BB-DE4B-95CE-6DB70DBA9567}" type="datetimeFigureOut">
               <a:rPr lang="en-US" dirty="0"/>
               <a:pPr/>
-              <a:t>9/17/2020</a:t>
+              <a:t>9/21/2020</a:t>
             </a:fld>
             <a:endParaRPr lang="en-US" dirty="0"/>
           </a:p>
@@ -7740,7 +7740,7 @@
       </p:pic>
       <p:pic>
         <p:nvPicPr>
-          <p:cNvPr id="3" name="Image 2"/>
+          <p:cNvPr id="2" name="Image 1"/>
           <p:cNvPicPr>
             <a:picLocks noChangeAspect="1"/>
           </p:cNvPicPr>
@@ -7760,14 +7760,14 @@
         </p:blipFill>
         <p:spPr>
           <a:xfrm>
-            <a:off x="1746445" y="1545186"/>
-            <a:ext cx="6433279" cy="4976016"/>
+            <a:off x="1543115" y="1538302"/>
+            <a:ext cx="6865106" cy="4950928"/>
           </a:xfrm>
           <a:prstGeom prst="rect">
             <a:avLst/>
           </a:prstGeom>
           <a:effectLst>
-            <a:outerShdw blurRad="50800" dist="38100" dir="2700000" algn="tl" rotWithShape="0">
+            <a:outerShdw blurRad="50800" dist="76200" dir="2700000" algn="tl" rotWithShape="0">
               <a:prstClr val="black">
                 <a:alpha val="40000"/>
               </a:prstClr>

--- a/presentation/Presentation.pptx
+++ b/presentation/Presentation.pptx
@@ -10,9 +10,9 @@
     <p:sldId id="258" r:id="rId4"/>
     <p:sldId id="259" r:id="rId5"/>
     <p:sldId id="260" r:id="rId6"/>
-    <p:sldId id="261" r:id="rId7"/>
-    <p:sldId id="262" r:id="rId8"/>
-    <p:sldId id="263" r:id="rId9"/>
+    <p:sldId id="262" r:id="rId7"/>
+    <p:sldId id="263" r:id="rId8"/>
+    <p:sldId id="261" r:id="rId9"/>
     <p:sldId id="264" r:id="rId10"/>
   </p:sldIdLst>
   <p:sldSz cx="12192000" cy="6858000"/>
@@ -866,7 +866,7 @@
             <a:fld id="{B61BEF0D-F0BB-DE4B-95CE-6DB70DBA9567}" type="datetimeFigureOut">
               <a:rPr lang="en-US" dirty="0"/>
               <a:pPr/>
-              <a:t>9/21/2020</a:t>
+              <a:t>9/24/2020</a:t>
             </a:fld>
             <a:endParaRPr lang="en-US" dirty="0"/>
           </a:p>
@@ -1114,7 +1114,7 @@
             <a:fld id="{B61BEF0D-F0BB-DE4B-95CE-6DB70DBA9567}" type="datetimeFigureOut">
               <a:rPr lang="en-US" dirty="0"/>
               <a:pPr/>
-              <a:t>9/21/2020</a:t>
+              <a:t>9/24/2020</a:t>
             </a:fld>
             <a:endParaRPr lang="en-US" dirty="0"/>
           </a:p>
@@ -1425,7 +1425,7 @@
             <a:fld id="{B61BEF0D-F0BB-DE4B-95CE-6DB70DBA9567}" type="datetimeFigureOut">
               <a:rPr lang="en-US" dirty="0"/>
               <a:pPr/>
-              <a:t>9/21/2020</a:t>
+              <a:t>9/24/2020</a:t>
             </a:fld>
             <a:endParaRPr lang="en-US" dirty="0"/>
           </a:p>
@@ -1755,7 +1755,7 @@
             <a:fld id="{B61BEF0D-F0BB-DE4B-95CE-6DB70DBA9567}" type="datetimeFigureOut">
               <a:rPr lang="en-US" dirty="0"/>
               <a:pPr/>
-              <a:t>9/21/2020</a:t>
+              <a:t>9/24/2020</a:t>
             </a:fld>
             <a:endParaRPr lang="en-US" dirty="0"/>
           </a:p>
@@ -2066,7 +2066,7 @@
             <a:fld id="{B61BEF0D-F0BB-DE4B-95CE-6DB70DBA9567}" type="datetimeFigureOut">
               <a:rPr lang="en-US" dirty="0"/>
               <a:pPr/>
-              <a:t>9/21/2020</a:t>
+              <a:t>9/24/2020</a:t>
             </a:fld>
             <a:endParaRPr lang="en-US" dirty="0"/>
           </a:p>
@@ -2456,7 +2456,7 @@
             <a:fld id="{B61BEF0D-F0BB-DE4B-95CE-6DB70DBA9567}" type="datetimeFigureOut">
               <a:rPr lang="en-US" dirty="0"/>
               <a:pPr/>
-              <a:t>9/21/2020</a:t>
+              <a:t>9/24/2020</a:t>
             </a:fld>
             <a:endParaRPr lang="en-US" dirty="0"/>
           </a:p>
@@ -2622,7 +2622,7 @@
           <a:p>
             <a:fld id="{55C6B4A9-1611-4792-9094-5F34BCA07E0B}" type="datetimeFigureOut">
               <a:rPr lang="en-US" dirty="0"/>
-              <a:t>9/21/2020</a:t>
+              <a:t>9/24/2020</a:t>
             </a:fld>
             <a:endParaRPr lang="en-US" dirty="0"/>
           </a:p>
@@ -2798,7 +2798,7 @@
             <a:fld id="{B61BEF0D-F0BB-DE4B-95CE-6DB70DBA9567}" type="datetimeFigureOut">
               <a:rPr lang="en-US" dirty="0"/>
               <a:pPr/>
-              <a:t>9/21/2020</a:t>
+              <a:t>9/24/2020</a:t>
             </a:fld>
             <a:endParaRPr lang="en-US" dirty="0"/>
           </a:p>
@@ -2964,7 +2964,7 @@
           <a:p>
             <a:fld id="{42A54C80-263E-416B-A8E0-580EDEADCBDC}" type="datetimeFigureOut">
               <a:rPr lang="en-US" dirty="0"/>
-              <a:t>9/21/2020</a:t>
+              <a:t>9/24/2020</a:t>
             </a:fld>
             <a:endParaRPr lang="en-US" dirty="0"/>
           </a:p>
@@ -3207,7 +3207,7 @@
             <a:fld id="{B61BEF0D-F0BB-DE4B-95CE-6DB70DBA9567}" type="datetimeFigureOut">
               <a:rPr lang="en-US" dirty="0"/>
               <a:pPr/>
-              <a:t>9/21/2020</a:t>
+              <a:t>9/24/2020</a:t>
             </a:fld>
             <a:endParaRPr lang="en-US" dirty="0"/>
           </a:p>
@@ -3435,7 +3435,7 @@
           <a:p>
             <a:fld id="{42A54C80-263E-416B-A8E0-580EDEADCBDC}" type="datetimeFigureOut">
               <a:rPr lang="en-US" dirty="0"/>
-              <a:t>9/21/2020</a:t>
+              <a:t>9/24/2020</a:t>
             </a:fld>
             <a:endParaRPr lang="en-US" dirty="0"/>
           </a:p>
@@ -3805,7 +3805,7 @@
             <a:fld id="{B61BEF0D-F0BB-DE4B-95CE-6DB70DBA9567}" type="datetimeFigureOut">
               <a:rPr lang="en-US" dirty="0"/>
               <a:pPr/>
-              <a:t>9/21/2020</a:t>
+              <a:t>9/24/2020</a:t>
             </a:fld>
             <a:endParaRPr lang="en-US" dirty="0"/>
           </a:p>
@@ -3925,7 +3925,7 @@
             <a:fld id="{B61BEF0D-F0BB-DE4B-95CE-6DB70DBA9567}" type="datetimeFigureOut">
               <a:rPr lang="en-US" dirty="0"/>
               <a:pPr/>
-              <a:t>9/21/2020</a:t>
+              <a:t>9/24/2020</a:t>
             </a:fld>
             <a:endParaRPr lang="en-US" dirty="0"/>
           </a:p>
@@ -4017,7 +4017,7 @@
             <a:fld id="{B61BEF0D-F0BB-DE4B-95CE-6DB70DBA9567}" type="datetimeFigureOut">
               <a:rPr lang="en-US" dirty="0"/>
               <a:pPr/>
-              <a:t>9/21/2020</a:t>
+              <a:t>9/24/2020</a:t>
             </a:fld>
             <a:endParaRPr lang="en-US" dirty="0"/>
           </a:p>
@@ -4268,7 +4268,7 @@
           <a:p>
             <a:fld id="{42A54C80-263E-416B-A8E0-580EDEADCBDC}" type="datetimeFigureOut">
               <a:rPr lang="en-US" dirty="0"/>
-              <a:t>9/21/2020</a:t>
+              <a:t>9/24/2020</a:t>
             </a:fld>
             <a:endParaRPr lang="en-US" dirty="0"/>
           </a:p>
@@ -4570,7 +4570,7 @@
             <a:fld id="{B61BEF0D-F0BB-DE4B-95CE-6DB70DBA9567}" type="datetimeFigureOut">
               <a:rPr lang="en-US" dirty="0"/>
               <a:pPr/>
-              <a:t>9/21/2020</a:t>
+              <a:t>9/24/2020</a:t>
             </a:fld>
             <a:endParaRPr lang="en-US" dirty="0"/>
           </a:p>
@@ -5268,7 +5268,7 @@
             <a:fld id="{B61BEF0D-F0BB-DE4B-95CE-6DB70DBA9567}" type="datetimeFigureOut">
               <a:rPr lang="en-US" dirty="0"/>
               <a:pPr/>
-              <a:t>9/21/2020</a:t>
+              <a:t>9/24/2020</a:t>
             </a:fld>
             <a:endParaRPr lang="en-US" dirty="0"/>
           </a:p>
@@ -6072,11 +6072,12 @@
                   </a:outerShdw>
                 </a:effectLst>
               </a:rPr>
-              <a:t>Requêtes SQL</a:t>
-            </a:r>
-          </a:p>
-          <a:p>
-            <a:endParaRPr lang="fr-FR" sz="2000" dirty="0" smtClean="0">
+              <a:t>Architecture technique</a:t>
+            </a:r>
+          </a:p>
+          <a:p>
+            <a:pPr lvl="2"/>
+            <a:endParaRPr lang="fr-FR" sz="2000" dirty="0">
               <a:effectLst>
                 <a:outerShdw blurRad="38100" dist="38100" dir="2700000" algn="tl">
                   <a:srgbClr val="000000">
@@ -6089,7 +6090,7 @@
           <a:p>
             <a:pPr lvl="2"/>
             <a:r>
-              <a:rPr lang="fr-FR" sz="2000" dirty="0" smtClean="0">
+              <a:rPr lang="fr-FR" sz="2000" dirty="0">
                 <a:effectLst>
                   <a:outerShdw blurRad="38100" dist="38100" dir="2700000" algn="tl">
                     <a:srgbClr val="000000">
@@ -6098,7 +6099,7 @@
                   </a:outerShdw>
                 </a:effectLst>
               </a:rPr>
-              <a:t>Architecture technique</a:t>
+              <a:t>Requêtes SQL</a:t>
             </a:r>
           </a:p>
           <a:p>
@@ -6968,504 +6969,6 @@
           <a:p>
             <a:pPr algn="ctr"/>
             <a:r>
-              <a:rPr lang="fr-FR" b="1" dirty="0">
-                <a:solidFill>
-                  <a:schemeClr val="accent1">
-                    <a:lumMod val="75000"/>
-                  </a:schemeClr>
-                </a:solidFill>
-                <a:effectLst>
-                  <a:outerShdw blurRad="38100" dist="38100" dir="2700000" algn="tl">
-                    <a:srgbClr val="000000">
-                      <a:alpha val="43137"/>
-                    </a:srgbClr>
-                  </a:outerShdw>
-                </a:effectLst>
-              </a:rPr>
-              <a:t>OC-PIZZA</a:t>
-            </a:r>
-            <a:br>
-              <a:rPr lang="fr-FR" b="1" dirty="0">
-                <a:solidFill>
-                  <a:schemeClr val="accent1">
-                    <a:lumMod val="75000"/>
-                  </a:schemeClr>
-                </a:solidFill>
-                <a:effectLst>
-                  <a:outerShdw blurRad="38100" dist="38100" dir="2700000" algn="tl">
-                    <a:srgbClr val="000000">
-                      <a:alpha val="43137"/>
-                    </a:srgbClr>
-                  </a:outerShdw>
-                </a:effectLst>
-              </a:rPr>
-            </a:br>
-            <a:r>
-              <a:rPr lang="fr-FR" sz="2000" b="1" u="sng" dirty="0" smtClean="0">
-                <a:solidFill>
-                  <a:schemeClr val="tx1">
-                    <a:lumMod val="75000"/>
-                    <a:lumOff val="25000"/>
-                  </a:schemeClr>
-                </a:solidFill>
-              </a:rPr>
-              <a:t>Base de données – Requêtes SQL</a:t>
-            </a:r>
-            <a:endParaRPr lang="fr-FR" sz="2000" dirty="0"/>
-          </a:p>
-        </p:txBody>
-      </p:sp>
-      <p:pic>
-        <p:nvPicPr>
-          <p:cNvPr id="9" name="Image 8"/>
-          <p:cNvPicPr>
-            <a:picLocks noChangeAspect="1"/>
-          </p:cNvPicPr>
-          <p:nvPr/>
-        </p:nvPicPr>
-        <p:blipFill>
-          <a:blip r:embed="rId2" cstate="print">
-            <a:extLst>
-              <a:ext uri="{28A0092B-C50C-407E-A947-70E740481C1C}">
-                <a14:useLocalDpi xmlns:a14="http://schemas.microsoft.com/office/drawing/2010/main" val="0"/>
-              </a:ext>
-            </a:extLst>
-          </a:blip>
-          <a:stretch>
-            <a:fillRect/>
-          </a:stretch>
-        </p:blipFill>
-        <p:spPr>
-          <a:xfrm>
-            <a:off x="67744" y="6489230"/>
-            <a:ext cx="2545085" cy="304801"/>
-          </a:xfrm>
-          <a:prstGeom prst="rect">
-            <a:avLst/>
-          </a:prstGeom>
-        </p:spPr>
-      </p:pic>
-      <p:pic>
-        <p:nvPicPr>
-          <p:cNvPr id="7" name="Espace réservé du contenu 6"/>
-          <p:cNvPicPr>
-            <a:picLocks noGrp="1" noChangeAspect="1"/>
-          </p:cNvPicPr>
-          <p:nvPr>
-            <p:ph sz="half" idx="2"/>
-          </p:nvPr>
-        </p:nvPicPr>
-        <p:blipFill>
-          <a:blip r:embed="rId3">
-            <a:extLst>
-              <a:ext uri="{28A0092B-C50C-407E-A947-70E740481C1C}">
-                <a14:useLocalDpi xmlns:a14="http://schemas.microsoft.com/office/drawing/2010/main" val="0"/>
-              </a:ext>
-            </a:extLst>
-          </a:blip>
-          <a:stretch>
-            <a:fillRect/>
-          </a:stretch>
-        </p:blipFill>
-        <p:spPr>
-          <a:xfrm>
-            <a:off x="5089352" y="2451513"/>
-            <a:ext cx="4184650" cy="1758301"/>
-          </a:xfrm>
-          <a:effectLst>
-            <a:outerShdw blurRad="63500" dist="63500" dir="2700000" algn="tl" rotWithShape="0">
-              <a:prstClr val="black">
-                <a:alpha val="40000"/>
-              </a:prstClr>
-            </a:outerShdw>
-          </a:effectLst>
-        </p:spPr>
-      </p:pic>
-      <p:pic>
-        <p:nvPicPr>
-          <p:cNvPr id="13" name="Espace réservé du contenu 12"/>
-          <p:cNvPicPr>
-            <a:picLocks noGrp="1" noChangeAspect="1"/>
-          </p:cNvPicPr>
-          <p:nvPr>
-            <p:ph sz="half" idx="1"/>
-          </p:nvPr>
-        </p:nvPicPr>
-        <p:blipFill>
-          <a:blip r:embed="rId4">
-            <a:extLst>
-              <a:ext uri="{28A0092B-C50C-407E-A947-70E740481C1C}">
-                <a14:useLocalDpi xmlns:a14="http://schemas.microsoft.com/office/drawing/2010/main" val="0"/>
-              </a:ext>
-            </a:extLst>
-          </a:blip>
-          <a:stretch>
-            <a:fillRect/>
-          </a:stretch>
-        </p:blipFill>
-        <p:spPr>
-          <a:xfrm>
-            <a:off x="1067859" y="2101850"/>
-            <a:ext cx="3599391" cy="1862684"/>
-          </a:xfrm>
-          <a:effectLst>
-            <a:outerShdw blurRad="63500" dist="63500" dir="2700000" algn="tl" rotWithShape="0">
-              <a:prstClr val="black">
-                <a:alpha val="40000"/>
-              </a:prstClr>
-            </a:outerShdw>
-          </a:effectLst>
-        </p:spPr>
-      </p:pic>
-      <p:sp>
-        <p:nvSpPr>
-          <p:cNvPr id="21" name="Espace réservé du contenu 6"/>
-          <p:cNvSpPr txBox="1">
-            <a:spLocks/>
-          </p:cNvSpPr>
-          <p:nvPr/>
-        </p:nvSpPr>
-        <p:spPr>
-          <a:xfrm>
-            <a:off x="1235511" y="4606475"/>
-            <a:ext cx="8596668" cy="1508576"/>
-          </a:xfrm>
-          <a:prstGeom prst="rect">
-            <a:avLst/>
-          </a:prstGeom>
-          <a:effectLst/>
-        </p:spPr>
-        <p:txBody>
-          <a:bodyPr vert="horz" lIns="91440" tIns="45720" rIns="91440" bIns="45720" rtlCol="0">
-            <a:normAutofit/>
-          </a:bodyPr>
-          <a:lstStyle>
-            <a:lvl1pPr marL="342900" indent="-342900" algn="l" defTabSz="457200" rtl="0" eaLnBrk="1" latinLnBrk="0" hangingPunct="1">
-              <a:spcBef>
-                <a:spcPts val="1000"/>
-              </a:spcBef>
-              <a:spcAft>
-                <a:spcPts val="0"/>
-              </a:spcAft>
-              <a:buClr>
-                <a:schemeClr val="accent1"/>
-              </a:buClr>
-              <a:buSzPct val="80000"/>
-              <a:buFont typeface="Wingdings 3" charset="2"/>
-              <a:buChar char=""/>
-              <a:defRPr sz="1800" kern="1200">
-                <a:solidFill>
-                  <a:schemeClr val="tx1">
-                    <a:lumMod val="75000"/>
-                    <a:lumOff val="25000"/>
-                  </a:schemeClr>
-                </a:solidFill>
-                <a:latin typeface="+mn-lt"/>
-                <a:ea typeface="+mn-ea"/>
-                <a:cs typeface="+mn-cs"/>
-              </a:defRPr>
-            </a:lvl1pPr>
-            <a:lvl2pPr marL="742950" indent="-285750" algn="l" defTabSz="457200" rtl="0" eaLnBrk="1" latinLnBrk="0" hangingPunct="1">
-              <a:spcBef>
-                <a:spcPts val="1000"/>
-              </a:spcBef>
-              <a:spcAft>
-                <a:spcPts val="0"/>
-              </a:spcAft>
-              <a:buClr>
-                <a:schemeClr val="accent1"/>
-              </a:buClr>
-              <a:buSzPct val="80000"/>
-              <a:buFont typeface="Wingdings 3" charset="2"/>
-              <a:buChar char=""/>
-              <a:defRPr sz="1600" kern="1200">
-                <a:solidFill>
-                  <a:schemeClr val="tx1">
-                    <a:lumMod val="75000"/>
-                    <a:lumOff val="25000"/>
-                  </a:schemeClr>
-                </a:solidFill>
-                <a:latin typeface="+mn-lt"/>
-                <a:ea typeface="+mn-ea"/>
-                <a:cs typeface="+mn-cs"/>
-              </a:defRPr>
-            </a:lvl2pPr>
-            <a:lvl3pPr marL="1143000" indent="-228600" algn="l" defTabSz="457200" rtl="0" eaLnBrk="1" latinLnBrk="0" hangingPunct="1">
-              <a:spcBef>
-                <a:spcPts val="1000"/>
-              </a:spcBef>
-              <a:spcAft>
-                <a:spcPts val="0"/>
-              </a:spcAft>
-              <a:buClr>
-                <a:schemeClr val="accent1"/>
-              </a:buClr>
-              <a:buSzPct val="80000"/>
-              <a:buFont typeface="Wingdings 3" charset="2"/>
-              <a:buChar char=""/>
-              <a:defRPr sz="1400" kern="1200">
-                <a:solidFill>
-                  <a:schemeClr val="tx1">
-                    <a:lumMod val="75000"/>
-                    <a:lumOff val="25000"/>
-                  </a:schemeClr>
-                </a:solidFill>
-                <a:latin typeface="+mn-lt"/>
-                <a:ea typeface="+mn-ea"/>
-                <a:cs typeface="+mn-cs"/>
-              </a:defRPr>
-            </a:lvl3pPr>
-            <a:lvl4pPr marL="1600200" indent="-228600" algn="l" defTabSz="457200" rtl="0" eaLnBrk="1" latinLnBrk="0" hangingPunct="1">
-              <a:spcBef>
-                <a:spcPts val="1000"/>
-              </a:spcBef>
-              <a:spcAft>
-                <a:spcPts val="0"/>
-              </a:spcAft>
-              <a:buClr>
-                <a:schemeClr val="accent1"/>
-              </a:buClr>
-              <a:buSzPct val="80000"/>
-              <a:buFont typeface="Wingdings 3" charset="2"/>
-              <a:buChar char=""/>
-              <a:defRPr sz="1200" kern="1200">
-                <a:solidFill>
-                  <a:schemeClr val="tx1">
-                    <a:lumMod val="75000"/>
-                    <a:lumOff val="25000"/>
-                  </a:schemeClr>
-                </a:solidFill>
-                <a:latin typeface="+mn-lt"/>
-                <a:ea typeface="+mn-ea"/>
-                <a:cs typeface="+mn-cs"/>
-              </a:defRPr>
-            </a:lvl4pPr>
-            <a:lvl5pPr marL="2057400" indent="-228600" algn="l" defTabSz="457200" rtl="0" eaLnBrk="1" latinLnBrk="0" hangingPunct="1">
-              <a:spcBef>
-                <a:spcPts val="1000"/>
-              </a:spcBef>
-              <a:spcAft>
-                <a:spcPts val="0"/>
-              </a:spcAft>
-              <a:buClr>
-                <a:schemeClr val="accent1"/>
-              </a:buClr>
-              <a:buSzPct val="80000"/>
-              <a:buFont typeface="Wingdings 3" charset="2"/>
-              <a:buChar char=""/>
-              <a:defRPr sz="1200" kern="1200">
-                <a:solidFill>
-                  <a:schemeClr val="tx1">
-                    <a:lumMod val="75000"/>
-                    <a:lumOff val="25000"/>
-                  </a:schemeClr>
-                </a:solidFill>
-                <a:latin typeface="+mn-lt"/>
-                <a:ea typeface="+mn-ea"/>
-                <a:cs typeface="+mn-cs"/>
-              </a:defRPr>
-            </a:lvl5pPr>
-            <a:lvl6pPr marL="2514600" indent="-228600" algn="l" defTabSz="457200" rtl="0" eaLnBrk="1" latinLnBrk="0" hangingPunct="1">
-              <a:spcBef>
-                <a:spcPts val="1000"/>
-              </a:spcBef>
-              <a:spcAft>
-                <a:spcPts val="0"/>
-              </a:spcAft>
-              <a:buClr>
-                <a:schemeClr val="accent1"/>
-              </a:buClr>
-              <a:buSzPct val="80000"/>
-              <a:buFont typeface="Wingdings 3" charset="2"/>
-              <a:buChar char=""/>
-              <a:defRPr sz="1200" kern="1200">
-                <a:solidFill>
-                  <a:schemeClr val="tx1">
-                    <a:lumMod val="75000"/>
-                    <a:lumOff val="25000"/>
-                  </a:schemeClr>
-                </a:solidFill>
-                <a:latin typeface="+mn-lt"/>
-                <a:ea typeface="+mn-ea"/>
-                <a:cs typeface="+mn-cs"/>
-              </a:defRPr>
-            </a:lvl6pPr>
-            <a:lvl7pPr marL="2971800" indent="-228600" algn="l" defTabSz="457200" rtl="0" eaLnBrk="1" latinLnBrk="0" hangingPunct="1">
-              <a:spcBef>
-                <a:spcPts val="1000"/>
-              </a:spcBef>
-              <a:spcAft>
-                <a:spcPts val="0"/>
-              </a:spcAft>
-              <a:buClr>
-                <a:schemeClr val="accent1"/>
-              </a:buClr>
-              <a:buSzPct val="80000"/>
-              <a:buFont typeface="Wingdings 3" charset="2"/>
-              <a:buChar char=""/>
-              <a:defRPr sz="1200" kern="1200">
-                <a:solidFill>
-                  <a:schemeClr val="tx1">
-                    <a:lumMod val="75000"/>
-                    <a:lumOff val="25000"/>
-                  </a:schemeClr>
-                </a:solidFill>
-                <a:latin typeface="+mn-lt"/>
-                <a:ea typeface="+mn-ea"/>
-                <a:cs typeface="+mn-cs"/>
-              </a:defRPr>
-            </a:lvl7pPr>
-            <a:lvl8pPr marL="3429000" indent="-228600" algn="l" defTabSz="457200" rtl="0" eaLnBrk="1" latinLnBrk="0" hangingPunct="1">
-              <a:spcBef>
-                <a:spcPts val="1000"/>
-              </a:spcBef>
-              <a:spcAft>
-                <a:spcPts val="0"/>
-              </a:spcAft>
-              <a:buClr>
-                <a:schemeClr val="accent1"/>
-              </a:buClr>
-              <a:buSzPct val="80000"/>
-              <a:buFont typeface="Wingdings 3" charset="2"/>
-              <a:buChar char=""/>
-              <a:defRPr sz="1200" kern="1200">
-                <a:solidFill>
-                  <a:schemeClr val="tx1">
-                    <a:lumMod val="75000"/>
-                    <a:lumOff val="25000"/>
-                  </a:schemeClr>
-                </a:solidFill>
-                <a:latin typeface="+mn-lt"/>
-                <a:ea typeface="+mn-ea"/>
-                <a:cs typeface="+mn-cs"/>
-              </a:defRPr>
-            </a:lvl8pPr>
-            <a:lvl9pPr marL="3886200" indent="-228600" algn="l" defTabSz="457200" rtl="0" eaLnBrk="1" latinLnBrk="0" hangingPunct="1">
-              <a:spcBef>
-                <a:spcPts val="1000"/>
-              </a:spcBef>
-              <a:spcAft>
-                <a:spcPts val="0"/>
-              </a:spcAft>
-              <a:buClr>
-                <a:schemeClr val="accent1"/>
-              </a:buClr>
-              <a:buSzPct val="80000"/>
-              <a:buFont typeface="Wingdings 3" charset="2"/>
-              <a:buChar char=""/>
-              <a:defRPr sz="1200" kern="1200">
-                <a:solidFill>
-                  <a:schemeClr val="tx1">
-                    <a:lumMod val="75000"/>
-                    <a:lumOff val="25000"/>
-                  </a:schemeClr>
-                </a:solidFill>
-                <a:latin typeface="+mn-lt"/>
-                <a:ea typeface="+mn-ea"/>
-                <a:cs typeface="+mn-cs"/>
-              </a:defRPr>
-            </a:lvl9pPr>
-          </a:lstStyle>
-          <a:p>
-            <a:r>
-              <a:rPr lang="fr-FR" dirty="0"/>
-              <a:t>Un script de création </a:t>
-            </a:r>
-            <a:r>
-              <a:rPr lang="fr-FR" dirty="0" smtClean="0"/>
-              <a:t>de la structure </a:t>
-            </a:r>
-            <a:r>
-              <a:rPr lang="fr-FR" b="1" dirty="0" smtClean="0"/>
-              <a:t>MySQL</a:t>
-            </a:r>
-            <a:r>
-              <a:rPr lang="fr-FR" dirty="0" smtClean="0"/>
-              <a:t> et un autre pour </a:t>
-            </a:r>
-            <a:r>
-              <a:rPr lang="fr-FR" b="1" dirty="0" smtClean="0"/>
-              <a:t>PostgreSQL</a:t>
-            </a:r>
-          </a:p>
-          <a:p>
-            <a:r>
-              <a:rPr lang="fr-FR" dirty="0" smtClean="0"/>
-              <a:t>Script d’insertion des données commun aux deux </a:t>
-            </a:r>
-            <a:r>
-              <a:rPr lang="fr-FR" b="1" dirty="0" smtClean="0"/>
-              <a:t>SGBDR</a:t>
-            </a:r>
-          </a:p>
-          <a:p>
-            <a:r>
-              <a:rPr lang="fr-FR" dirty="0" smtClean="0"/>
-              <a:t>Jeu de requêtes d’exploitation commun aux deux </a:t>
-            </a:r>
-            <a:r>
-              <a:rPr lang="fr-FR" b="1" dirty="0" smtClean="0"/>
-              <a:t>SGBDR</a:t>
-            </a:r>
-          </a:p>
-        </p:txBody>
-      </p:sp>
-    </p:spTree>
-    <p:extLst>
-      <p:ext uri="{BB962C8B-B14F-4D97-AF65-F5344CB8AC3E}">
-        <p14:creationId xmlns:p14="http://schemas.microsoft.com/office/powerpoint/2010/main" val="568901730"/>
-      </p:ext>
-    </p:extLst>
-  </p:cSld>
-  <p:clrMapOvr>
-    <a:masterClrMapping/>
-  </p:clrMapOvr>
-  <p:timing>
-    <p:tnLst>
-      <p:par>
-        <p:cTn id="1" dur="indefinite" restart="never" nodeType="tmRoot"/>
-      </p:par>
-    </p:tnLst>
-  </p:timing>
-</p:sld>
-</file>
-
-<file path=ppt/slides/slide7.xml><?xml version="1.0" encoding="utf-8"?>
-<p:sld xmlns:a="http://schemas.openxmlformats.org/drawingml/2006/main" xmlns:r="http://schemas.openxmlformats.org/officeDocument/2006/relationships" xmlns:p="http://schemas.openxmlformats.org/presentationml/2006/main">
-  <p:cSld>
-    <p:spTree>
-      <p:nvGrpSpPr>
-        <p:cNvPr id="1" name=""/>
-        <p:cNvGrpSpPr/>
-        <p:nvPr/>
-      </p:nvGrpSpPr>
-      <p:grpSpPr>
-        <a:xfrm>
-          <a:off x="0" y="0"/>
-          <a:ext cx="0" cy="0"/>
-          <a:chOff x="0" y="0"/>
-          <a:chExt cx="0" cy="0"/>
-        </a:xfrm>
-      </p:grpSpPr>
-      <p:sp>
-        <p:nvSpPr>
-          <p:cNvPr id="2" name="Titre 1"/>
-          <p:cNvSpPr>
-            <a:spLocks noGrp="1"/>
-          </p:cNvSpPr>
-          <p:nvPr>
-            <p:ph type="title"/>
-          </p:nvPr>
-        </p:nvSpPr>
-        <p:spPr/>
-        <p:txBody>
-          <a:bodyPr>
-            <a:normAutofit/>
-          </a:bodyPr>
-          <a:lstStyle/>
-          <a:p>
-            <a:pPr algn="ctr"/>
-            <a:r>
               <a:rPr lang="fr-FR" b="1" dirty="0" smtClean="0">
                 <a:solidFill>
                   <a:schemeClr val="accent1">
@@ -7599,7 +7102,7 @@
 </p:sld>
 </file>
 
-<file path=ppt/slides/slide8.xml><?xml version="1.0" encoding="utf-8"?>
+<file path=ppt/slides/slide7.xml><?xml version="1.0" encoding="utf-8"?>
 <p:sld xmlns:a="http://schemas.openxmlformats.org/drawingml/2006/main" xmlns:r="http://schemas.openxmlformats.org/officeDocument/2006/relationships" xmlns:p="http://schemas.openxmlformats.org/presentationml/2006/main">
   <p:cSld>
     <p:spTree>
@@ -7779,6 +7282,504 @@
     <p:extLst>
       <p:ext uri="{BB962C8B-B14F-4D97-AF65-F5344CB8AC3E}">
         <p14:creationId xmlns:p14="http://schemas.microsoft.com/office/powerpoint/2010/main" val="2367965590"/>
+      </p:ext>
+    </p:extLst>
+  </p:cSld>
+  <p:clrMapOvr>
+    <a:masterClrMapping/>
+  </p:clrMapOvr>
+  <p:timing>
+    <p:tnLst>
+      <p:par>
+        <p:cTn id="1" dur="indefinite" restart="never" nodeType="tmRoot"/>
+      </p:par>
+    </p:tnLst>
+  </p:timing>
+</p:sld>
+</file>
+
+<file path=ppt/slides/slide8.xml><?xml version="1.0" encoding="utf-8"?>
+<p:sld xmlns:a="http://schemas.openxmlformats.org/drawingml/2006/main" xmlns:r="http://schemas.openxmlformats.org/officeDocument/2006/relationships" xmlns:p="http://schemas.openxmlformats.org/presentationml/2006/main">
+  <p:cSld>
+    <p:spTree>
+      <p:nvGrpSpPr>
+        <p:cNvPr id="1" name=""/>
+        <p:cNvGrpSpPr/>
+        <p:nvPr/>
+      </p:nvGrpSpPr>
+      <p:grpSpPr>
+        <a:xfrm>
+          <a:off x="0" y="0"/>
+          <a:ext cx="0" cy="0"/>
+          <a:chOff x="0" y="0"/>
+          <a:chExt cx="0" cy="0"/>
+        </a:xfrm>
+      </p:grpSpPr>
+      <p:sp>
+        <p:nvSpPr>
+          <p:cNvPr id="2" name="Titre 1"/>
+          <p:cNvSpPr>
+            <a:spLocks noGrp="1"/>
+          </p:cNvSpPr>
+          <p:nvPr>
+            <p:ph type="title"/>
+          </p:nvPr>
+        </p:nvSpPr>
+        <p:spPr/>
+        <p:txBody>
+          <a:bodyPr>
+            <a:normAutofit/>
+          </a:bodyPr>
+          <a:lstStyle/>
+          <a:p>
+            <a:pPr algn="ctr"/>
+            <a:r>
+              <a:rPr lang="fr-FR" b="1" dirty="0">
+                <a:solidFill>
+                  <a:schemeClr val="accent1">
+                    <a:lumMod val="75000"/>
+                  </a:schemeClr>
+                </a:solidFill>
+                <a:effectLst>
+                  <a:outerShdw blurRad="38100" dist="38100" dir="2700000" algn="tl">
+                    <a:srgbClr val="000000">
+                      <a:alpha val="43137"/>
+                    </a:srgbClr>
+                  </a:outerShdw>
+                </a:effectLst>
+              </a:rPr>
+              <a:t>OC-PIZZA</a:t>
+            </a:r>
+            <a:br>
+              <a:rPr lang="fr-FR" b="1" dirty="0">
+                <a:solidFill>
+                  <a:schemeClr val="accent1">
+                    <a:lumMod val="75000"/>
+                  </a:schemeClr>
+                </a:solidFill>
+                <a:effectLst>
+                  <a:outerShdw blurRad="38100" dist="38100" dir="2700000" algn="tl">
+                    <a:srgbClr val="000000">
+                      <a:alpha val="43137"/>
+                    </a:srgbClr>
+                  </a:outerShdw>
+                </a:effectLst>
+              </a:rPr>
+            </a:br>
+            <a:r>
+              <a:rPr lang="fr-FR" sz="2000" b="1" u="sng" dirty="0" smtClean="0">
+                <a:solidFill>
+                  <a:schemeClr val="tx1">
+                    <a:lumMod val="75000"/>
+                    <a:lumOff val="25000"/>
+                  </a:schemeClr>
+                </a:solidFill>
+              </a:rPr>
+              <a:t>Base de données – Requêtes SQL</a:t>
+            </a:r>
+            <a:endParaRPr lang="fr-FR" sz="2000" dirty="0"/>
+          </a:p>
+        </p:txBody>
+      </p:sp>
+      <p:pic>
+        <p:nvPicPr>
+          <p:cNvPr id="9" name="Image 8"/>
+          <p:cNvPicPr>
+            <a:picLocks noChangeAspect="1"/>
+          </p:cNvPicPr>
+          <p:nvPr/>
+        </p:nvPicPr>
+        <p:blipFill>
+          <a:blip r:embed="rId2" cstate="print">
+            <a:extLst>
+              <a:ext uri="{28A0092B-C50C-407E-A947-70E740481C1C}">
+                <a14:useLocalDpi xmlns:a14="http://schemas.microsoft.com/office/drawing/2010/main" val="0"/>
+              </a:ext>
+            </a:extLst>
+          </a:blip>
+          <a:stretch>
+            <a:fillRect/>
+          </a:stretch>
+        </p:blipFill>
+        <p:spPr>
+          <a:xfrm>
+            <a:off x="67744" y="6489230"/>
+            <a:ext cx="2545085" cy="304801"/>
+          </a:xfrm>
+          <a:prstGeom prst="rect">
+            <a:avLst/>
+          </a:prstGeom>
+        </p:spPr>
+      </p:pic>
+      <p:pic>
+        <p:nvPicPr>
+          <p:cNvPr id="7" name="Espace réservé du contenu 6"/>
+          <p:cNvPicPr>
+            <a:picLocks noGrp="1" noChangeAspect="1"/>
+          </p:cNvPicPr>
+          <p:nvPr>
+            <p:ph sz="half" idx="2"/>
+          </p:nvPr>
+        </p:nvPicPr>
+        <p:blipFill>
+          <a:blip r:embed="rId3">
+            <a:extLst>
+              <a:ext uri="{28A0092B-C50C-407E-A947-70E740481C1C}">
+                <a14:useLocalDpi xmlns:a14="http://schemas.microsoft.com/office/drawing/2010/main" val="0"/>
+              </a:ext>
+            </a:extLst>
+          </a:blip>
+          <a:stretch>
+            <a:fillRect/>
+          </a:stretch>
+        </p:blipFill>
+        <p:spPr>
+          <a:xfrm>
+            <a:off x="5089352" y="2451513"/>
+            <a:ext cx="4184650" cy="1758301"/>
+          </a:xfrm>
+          <a:effectLst>
+            <a:outerShdw blurRad="63500" dist="63500" dir="2700000" algn="tl" rotWithShape="0">
+              <a:prstClr val="black">
+                <a:alpha val="40000"/>
+              </a:prstClr>
+            </a:outerShdw>
+          </a:effectLst>
+        </p:spPr>
+      </p:pic>
+      <p:pic>
+        <p:nvPicPr>
+          <p:cNvPr id="13" name="Espace réservé du contenu 12"/>
+          <p:cNvPicPr>
+            <a:picLocks noGrp="1" noChangeAspect="1"/>
+          </p:cNvPicPr>
+          <p:nvPr>
+            <p:ph sz="half" idx="1"/>
+          </p:nvPr>
+        </p:nvPicPr>
+        <p:blipFill>
+          <a:blip r:embed="rId4">
+            <a:extLst>
+              <a:ext uri="{28A0092B-C50C-407E-A947-70E740481C1C}">
+                <a14:useLocalDpi xmlns:a14="http://schemas.microsoft.com/office/drawing/2010/main" val="0"/>
+              </a:ext>
+            </a:extLst>
+          </a:blip>
+          <a:stretch>
+            <a:fillRect/>
+          </a:stretch>
+        </p:blipFill>
+        <p:spPr>
+          <a:xfrm>
+            <a:off x="1067859" y="2101850"/>
+            <a:ext cx="3599391" cy="1862684"/>
+          </a:xfrm>
+          <a:effectLst>
+            <a:outerShdw blurRad="63500" dist="63500" dir="2700000" algn="tl" rotWithShape="0">
+              <a:prstClr val="black">
+                <a:alpha val="40000"/>
+              </a:prstClr>
+            </a:outerShdw>
+          </a:effectLst>
+        </p:spPr>
+      </p:pic>
+      <p:sp>
+        <p:nvSpPr>
+          <p:cNvPr id="21" name="Espace réservé du contenu 6"/>
+          <p:cNvSpPr txBox="1">
+            <a:spLocks/>
+          </p:cNvSpPr>
+          <p:nvPr/>
+        </p:nvSpPr>
+        <p:spPr>
+          <a:xfrm>
+            <a:off x="1235511" y="4606475"/>
+            <a:ext cx="8596668" cy="1508576"/>
+          </a:xfrm>
+          <a:prstGeom prst="rect">
+            <a:avLst/>
+          </a:prstGeom>
+          <a:effectLst/>
+        </p:spPr>
+        <p:txBody>
+          <a:bodyPr vert="horz" lIns="91440" tIns="45720" rIns="91440" bIns="45720" rtlCol="0">
+            <a:normAutofit/>
+          </a:bodyPr>
+          <a:lstStyle>
+            <a:lvl1pPr marL="342900" indent="-342900" algn="l" defTabSz="457200" rtl="0" eaLnBrk="1" latinLnBrk="0" hangingPunct="1">
+              <a:spcBef>
+                <a:spcPts val="1000"/>
+              </a:spcBef>
+              <a:spcAft>
+                <a:spcPts val="0"/>
+              </a:spcAft>
+              <a:buClr>
+                <a:schemeClr val="accent1"/>
+              </a:buClr>
+              <a:buSzPct val="80000"/>
+              <a:buFont typeface="Wingdings 3" charset="2"/>
+              <a:buChar char=""/>
+              <a:defRPr sz="1800" kern="1200">
+                <a:solidFill>
+                  <a:schemeClr val="tx1">
+                    <a:lumMod val="75000"/>
+                    <a:lumOff val="25000"/>
+                  </a:schemeClr>
+                </a:solidFill>
+                <a:latin typeface="+mn-lt"/>
+                <a:ea typeface="+mn-ea"/>
+                <a:cs typeface="+mn-cs"/>
+              </a:defRPr>
+            </a:lvl1pPr>
+            <a:lvl2pPr marL="742950" indent="-285750" algn="l" defTabSz="457200" rtl="0" eaLnBrk="1" latinLnBrk="0" hangingPunct="1">
+              <a:spcBef>
+                <a:spcPts val="1000"/>
+              </a:spcBef>
+              <a:spcAft>
+                <a:spcPts val="0"/>
+              </a:spcAft>
+              <a:buClr>
+                <a:schemeClr val="accent1"/>
+              </a:buClr>
+              <a:buSzPct val="80000"/>
+              <a:buFont typeface="Wingdings 3" charset="2"/>
+              <a:buChar char=""/>
+              <a:defRPr sz="1600" kern="1200">
+                <a:solidFill>
+                  <a:schemeClr val="tx1">
+                    <a:lumMod val="75000"/>
+                    <a:lumOff val="25000"/>
+                  </a:schemeClr>
+                </a:solidFill>
+                <a:latin typeface="+mn-lt"/>
+                <a:ea typeface="+mn-ea"/>
+                <a:cs typeface="+mn-cs"/>
+              </a:defRPr>
+            </a:lvl2pPr>
+            <a:lvl3pPr marL="1143000" indent="-228600" algn="l" defTabSz="457200" rtl="0" eaLnBrk="1" latinLnBrk="0" hangingPunct="1">
+              <a:spcBef>
+                <a:spcPts val="1000"/>
+              </a:spcBef>
+              <a:spcAft>
+                <a:spcPts val="0"/>
+              </a:spcAft>
+              <a:buClr>
+                <a:schemeClr val="accent1"/>
+              </a:buClr>
+              <a:buSzPct val="80000"/>
+              <a:buFont typeface="Wingdings 3" charset="2"/>
+              <a:buChar char=""/>
+              <a:defRPr sz="1400" kern="1200">
+                <a:solidFill>
+                  <a:schemeClr val="tx1">
+                    <a:lumMod val="75000"/>
+                    <a:lumOff val="25000"/>
+                  </a:schemeClr>
+                </a:solidFill>
+                <a:latin typeface="+mn-lt"/>
+                <a:ea typeface="+mn-ea"/>
+                <a:cs typeface="+mn-cs"/>
+              </a:defRPr>
+            </a:lvl3pPr>
+            <a:lvl4pPr marL="1600200" indent="-228600" algn="l" defTabSz="457200" rtl="0" eaLnBrk="1" latinLnBrk="0" hangingPunct="1">
+              <a:spcBef>
+                <a:spcPts val="1000"/>
+              </a:spcBef>
+              <a:spcAft>
+                <a:spcPts val="0"/>
+              </a:spcAft>
+              <a:buClr>
+                <a:schemeClr val="accent1"/>
+              </a:buClr>
+              <a:buSzPct val="80000"/>
+              <a:buFont typeface="Wingdings 3" charset="2"/>
+              <a:buChar char=""/>
+              <a:defRPr sz="1200" kern="1200">
+                <a:solidFill>
+                  <a:schemeClr val="tx1">
+                    <a:lumMod val="75000"/>
+                    <a:lumOff val="25000"/>
+                  </a:schemeClr>
+                </a:solidFill>
+                <a:latin typeface="+mn-lt"/>
+                <a:ea typeface="+mn-ea"/>
+                <a:cs typeface="+mn-cs"/>
+              </a:defRPr>
+            </a:lvl4pPr>
+            <a:lvl5pPr marL="2057400" indent="-228600" algn="l" defTabSz="457200" rtl="0" eaLnBrk="1" latinLnBrk="0" hangingPunct="1">
+              <a:spcBef>
+                <a:spcPts val="1000"/>
+              </a:spcBef>
+              <a:spcAft>
+                <a:spcPts val="0"/>
+              </a:spcAft>
+              <a:buClr>
+                <a:schemeClr val="accent1"/>
+              </a:buClr>
+              <a:buSzPct val="80000"/>
+              <a:buFont typeface="Wingdings 3" charset="2"/>
+              <a:buChar char=""/>
+              <a:defRPr sz="1200" kern="1200">
+                <a:solidFill>
+                  <a:schemeClr val="tx1">
+                    <a:lumMod val="75000"/>
+                    <a:lumOff val="25000"/>
+                  </a:schemeClr>
+                </a:solidFill>
+                <a:latin typeface="+mn-lt"/>
+                <a:ea typeface="+mn-ea"/>
+                <a:cs typeface="+mn-cs"/>
+              </a:defRPr>
+            </a:lvl5pPr>
+            <a:lvl6pPr marL="2514600" indent="-228600" algn="l" defTabSz="457200" rtl="0" eaLnBrk="1" latinLnBrk="0" hangingPunct="1">
+              <a:spcBef>
+                <a:spcPts val="1000"/>
+              </a:spcBef>
+              <a:spcAft>
+                <a:spcPts val="0"/>
+              </a:spcAft>
+              <a:buClr>
+                <a:schemeClr val="accent1"/>
+              </a:buClr>
+              <a:buSzPct val="80000"/>
+              <a:buFont typeface="Wingdings 3" charset="2"/>
+              <a:buChar char=""/>
+              <a:defRPr sz="1200" kern="1200">
+                <a:solidFill>
+                  <a:schemeClr val="tx1">
+                    <a:lumMod val="75000"/>
+                    <a:lumOff val="25000"/>
+                  </a:schemeClr>
+                </a:solidFill>
+                <a:latin typeface="+mn-lt"/>
+                <a:ea typeface="+mn-ea"/>
+                <a:cs typeface="+mn-cs"/>
+              </a:defRPr>
+            </a:lvl6pPr>
+            <a:lvl7pPr marL="2971800" indent="-228600" algn="l" defTabSz="457200" rtl="0" eaLnBrk="1" latinLnBrk="0" hangingPunct="1">
+              <a:spcBef>
+                <a:spcPts val="1000"/>
+              </a:spcBef>
+              <a:spcAft>
+                <a:spcPts val="0"/>
+              </a:spcAft>
+              <a:buClr>
+                <a:schemeClr val="accent1"/>
+              </a:buClr>
+              <a:buSzPct val="80000"/>
+              <a:buFont typeface="Wingdings 3" charset="2"/>
+              <a:buChar char=""/>
+              <a:defRPr sz="1200" kern="1200">
+                <a:solidFill>
+                  <a:schemeClr val="tx1">
+                    <a:lumMod val="75000"/>
+                    <a:lumOff val="25000"/>
+                  </a:schemeClr>
+                </a:solidFill>
+                <a:latin typeface="+mn-lt"/>
+                <a:ea typeface="+mn-ea"/>
+                <a:cs typeface="+mn-cs"/>
+              </a:defRPr>
+            </a:lvl7pPr>
+            <a:lvl8pPr marL="3429000" indent="-228600" algn="l" defTabSz="457200" rtl="0" eaLnBrk="1" latinLnBrk="0" hangingPunct="1">
+              <a:spcBef>
+                <a:spcPts val="1000"/>
+              </a:spcBef>
+              <a:spcAft>
+                <a:spcPts val="0"/>
+              </a:spcAft>
+              <a:buClr>
+                <a:schemeClr val="accent1"/>
+              </a:buClr>
+              <a:buSzPct val="80000"/>
+              <a:buFont typeface="Wingdings 3" charset="2"/>
+              <a:buChar char=""/>
+              <a:defRPr sz="1200" kern="1200">
+                <a:solidFill>
+                  <a:schemeClr val="tx1">
+                    <a:lumMod val="75000"/>
+                    <a:lumOff val="25000"/>
+                  </a:schemeClr>
+                </a:solidFill>
+                <a:latin typeface="+mn-lt"/>
+                <a:ea typeface="+mn-ea"/>
+                <a:cs typeface="+mn-cs"/>
+              </a:defRPr>
+            </a:lvl8pPr>
+            <a:lvl9pPr marL="3886200" indent="-228600" algn="l" defTabSz="457200" rtl="0" eaLnBrk="1" latinLnBrk="0" hangingPunct="1">
+              <a:spcBef>
+                <a:spcPts val="1000"/>
+              </a:spcBef>
+              <a:spcAft>
+                <a:spcPts val="0"/>
+              </a:spcAft>
+              <a:buClr>
+                <a:schemeClr val="accent1"/>
+              </a:buClr>
+              <a:buSzPct val="80000"/>
+              <a:buFont typeface="Wingdings 3" charset="2"/>
+              <a:buChar char=""/>
+              <a:defRPr sz="1200" kern="1200">
+                <a:solidFill>
+                  <a:schemeClr val="tx1">
+                    <a:lumMod val="75000"/>
+                    <a:lumOff val="25000"/>
+                  </a:schemeClr>
+                </a:solidFill>
+                <a:latin typeface="+mn-lt"/>
+                <a:ea typeface="+mn-ea"/>
+                <a:cs typeface="+mn-cs"/>
+              </a:defRPr>
+            </a:lvl9pPr>
+          </a:lstStyle>
+          <a:p>
+            <a:r>
+              <a:rPr lang="fr-FR" dirty="0"/>
+              <a:t>Un script de création </a:t>
+            </a:r>
+            <a:r>
+              <a:rPr lang="fr-FR" dirty="0" smtClean="0"/>
+              <a:t>de la structure </a:t>
+            </a:r>
+            <a:r>
+              <a:rPr lang="fr-FR" b="1" dirty="0" smtClean="0"/>
+              <a:t>MySQL</a:t>
+            </a:r>
+            <a:r>
+              <a:rPr lang="fr-FR" dirty="0" smtClean="0"/>
+              <a:t> et un autre pour </a:t>
+            </a:r>
+            <a:r>
+              <a:rPr lang="fr-FR" b="1" dirty="0" smtClean="0"/>
+              <a:t>PostgreSQL</a:t>
+            </a:r>
+          </a:p>
+          <a:p>
+            <a:r>
+              <a:rPr lang="fr-FR" dirty="0" smtClean="0"/>
+              <a:t>Script d’insertion des données commun aux deux </a:t>
+            </a:r>
+            <a:r>
+              <a:rPr lang="fr-FR" b="1" dirty="0" smtClean="0"/>
+              <a:t>SGBDR</a:t>
+            </a:r>
+          </a:p>
+          <a:p>
+            <a:r>
+              <a:rPr lang="fr-FR" dirty="0" smtClean="0"/>
+              <a:t>Jeu de requêtes d’exploitation commun aux deux </a:t>
+            </a:r>
+            <a:r>
+              <a:rPr lang="fr-FR" b="1" dirty="0" smtClean="0"/>
+              <a:t>SGBDR</a:t>
+            </a:r>
+          </a:p>
+        </p:txBody>
+      </p:sp>
+    </p:spTree>
+    <p:extLst>
+      <p:ext uri="{BB962C8B-B14F-4D97-AF65-F5344CB8AC3E}">
+        <p14:creationId xmlns:p14="http://schemas.microsoft.com/office/powerpoint/2010/main" val="568901730"/>
       </p:ext>
     </p:extLst>
   </p:cSld>
